--- a/Gobang design and result.pptx
+++ b/Gobang design and result.pptx
@@ -5,12 +5,14 @@
     <p:sldMasterId id="2147483648" r:id="rId1"/>
   </p:sldMasterIdLst>
   <p:notesMasterIdLst>
-    <p:notesMasterId r:id="rId5"/>
+    <p:notesMasterId r:id="rId7"/>
   </p:notesMasterIdLst>
   <p:sldIdLst>
     <p:sldId id="256" r:id="rId2"/>
     <p:sldId id="257" r:id="rId3"/>
     <p:sldId id="258" r:id="rId4"/>
+    <p:sldId id="259" r:id="rId5"/>
+    <p:sldId id="260" r:id="rId6"/>
   </p:sldIdLst>
   <p:sldSz cx="12192000" cy="6858000"/>
   <p:notesSz cx="6858000" cy="9144000"/>
@@ -109,6 +111,11 @@
       </a:defRPr>
     </a:lvl9pPr>
   </p:defaultTextStyle>
+  <p:extLst>
+    <p:ext uri="{EFAFB233-063F-42B5-8137-9DF3F51BA10A}">
+      <p15:sldGuideLst xmlns:p15="http://schemas.microsoft.com/office/powerpoint/2012/main"/>
+    </p:ext>
+  </p:extLst>
 </p:presentation>
 </file>
 
@@ -621,6 +628,174 @@
     <p:extLst>
       <p:ext uri="{BB962C8B-B14F-4D97-AF65-F5344CB8AC3E}">
         <p14:creationId xmlns:p14="http://schemas.microsoft.com/office/powerpoint/2010/main" val="2145428649"/>
+      </p:ext>
+    </p:extLst>
+  </p:cSld>
+  <p:clrMapOvr>
+    <a:masterClrMapping/>
+  </p:clrMapOvr>
+</p:notes>
+</file>
+
+<file path=ppt/notesSlides/notesSlide3.xml><?xml version="1.0" encoding="utf-8"?>
+<p:notes xmlns:a="http://schemas.openxmlformats.org/drawingml/2006/main" xmlns:r="http://schemas.openxmlformats.org/officeDocument/2006/relationships" xmlns:p="http://schemas.openxmlformats.org/presentationml/2006/main">
+  <p:cSld>
+    <p:spTree>
+      <p:nvGrpSpPr>
+        <p:cNvPr id="1" name=""/>
+        <p:cNvGrpSpPr/>
+        <p:nvPr/>
+      </p:nvGrpSpPr>
+      <p:grpSpPr>
+        <a:xfrm>
+          <a:off x="0" y="0"/>
+          <a:ext cx="0" cy="0"/>
+          <a:chOff x="0" y="0"/>
+          <a:chExt cx="0" cy="0"/>
+        </a:xfrm>
+      </p:grpSpPr>
+      <p:sp>
+        <p:nvSpPr>
+          <p:cNvPr id="2" name="Slide Image Placeholder 1"/>
+          <p:cNvSpPr>
+            <a:spLocks noGrp="1" noRot="1" noChangeAspect="1"/>
+          </p:cNvSpPr>
+          <p:nvPr>
+            <p:ph type="sldImg"/>
+          </p:nvPr>
+        </p:nvSpPr>
+        <p:spPr/>
+      </p:sp>
+      <p:sp>
+        <p:nvSpPr>
+          <p:cNvPr id="3" name="Notes Placeholder 2"/>
+          <p:cNvSpPr>
+            <a:spLocks noGrp="1"/>
+          </p:cNvSpPr>
+          <p:nvPr>
+            <p:ph type="body" idx="1"/>
+          </p:nvPr>
+        </p:nvSpPr>
+        <p:spPr/>
+        <p:txBody>
+          <a:bodyPr/>
+          <a:lstStyle/>
+          <a:p>
+            <a:endParaRPr lang="en-US"/>
+          </a:p>
+        </p:txBody>
+      </p:sp>
+      <p:sp>
+        <p:nvSpPr>
+          <p:cNvPr id="4" name="Slide Number Placeholder 3"/>
+          <p:cNvSpPr>
+            <a:spLocks noGrp="1"/>
+          </p:cNvSpPr>
+          <p:nvPr>
+            <p:ph type="sldNum" sz="quarter" idx="10"/>
+          </p:nvPr>
+        </p:nvSpPr>
+        <p:spPr/>
+        <p:txBody>
+          <a:bodyPr/>
+          <a:lstStyle/>
+          <a:p>
+            <a:fld id="{D3FCFC76-927B-40BB-B6E8-5A9167BA15C1}" type="slidenum">
+              <a:rPr lang="en-US" smtClean="0"/>
+              <a:t>4</a:t>
+            </a:fld>
+            <a:endParaRPr lang="en-US"/>
+          </a:p>
+        </p:txBody>
+      </p:sp>
+    </p:spTree>
+    <p:extLst>
+      <p:ext uri="{BB962C8B-B14F-4D97-AF65-F5344CB8AC3E}">
+        <p14:creationId xmlns:p14="http://schemas.microsoft.com/office/powerpoint/2010/main" val="2875217410"/>
+      </p:ext>
+    </p:extLst>
+  </p:cSld>
+  <p:clrMapOvr>
+    <a:masterClrMapping/>
+  </p:clrMapOvr>
+</p:notes>
+</file>
+
+<file path=ppt/notesSlides/notesSlide4.xml><?xml version="1.0" encoding="utf-8"?>
+<p:notes xmlns:a="http://schemas.openxmlformats.org/drawingml/2006/main" xmlns:r="http://schemas.openxmlformats.org/officeDocument/2006/relationships" xmlns:p="http://schemas.openxmlformats.org/presentationml/2006/main">
+  <p:cSld>
+    <p:spTree>
+      <p:nvGrpSpPr>
+        <p:cNvPr id="1" name=""/>
+        <p:cNvGrpSpPr/>
+        <p:nvPr/>
+      </p:nvGrpSpPr>
+      <p:grpSpPr>
+        <a:xfrm>
+          <a:off x="0" y="0"/>
+          <a:ext cx="0" cy="0"/>
+          <a:chOff x="0" y="0"/>
+          <a:chExt cx="0" cy="0"/>
+        </a:xfrm>
+      </p:grpSpPr>
+      <p:sp>
+        <p:nvSpPr>
+          <p:cNvPr id="2" name="Slide Image Placeholder 1"/>
+          <p:cNvSpPr>
+            <a:spLocks noGrp="1" noRot="1" noChangeAspect="1"/>
+          </p:cNvSpPr>
+          <p:nvPr>
+            <p:ph type="sldImg"/>
+          </p:nvPr>
+        </p:nvSpPr>
+        <p:spPr/>
+      </p:sp>
+      <p:sp>
+        <p:nvSpPr>
+          <p:cNvPr id="3" name="Notes Placeholder 2"/>
+          <p:cNvSpPr>
+            <a:spLocks noGrp="1"/>
+          </p:cNvSpPr>
+          <p:nvPr>
+            <p:ph type="body" idx="1"/>
+          </p:nvPr>
+        </p:nvSpPr>
+        <p:spPr/>
+        <p:txBody>
+          <a:bodyPr/>
+          <a:lstStyle/>
+          <a:p>
+            <a:endParaRPr lang="en-US"/>
+          </a:p>
+        </p:txBody>
+      </p:sp>
+      <p:sp>
+        <p:nvSpPr>
+          <p:cNvPr id="4" name="Slide Number Placeholder 3"/>
+          <p:cNvSpPr>
+            <a:spLocks noGrp="1"/>
+          </p:cNvSpPr>
+          <p:nvPr>
+            <p:ph type="sldNum" sz="quarter" idx="10"/>
+          </p:nvPr>
+        </p:nvSpPr>
+        <p:spPr/>
+        <p:txBody>
+          <a:bodyPr/>
+          <a:lstStyle/>
+          <a:p>
+            <a:fld id="{D3FCFC76-927B-40BB-B6E8-5A9167BA15C1}" type="slidenum">
+              <a:rPr lang="en-US" smtClean="0"/>
+              <a:t>5</a:t>
+            </a:fld>
+            <a:endParaRPr lang="en-US"/>
+          </a:p>
+        </p:txBody>
+      </p:sp>
+    </p:spTree>
+    <p:extLst>
+      <p:ext uri="{BB962C8B-B14F-4D97-AF65-F5344CB8AC3E}">
+        <p14:creationId xmlns:p14="http://schemas.microsoft.com/office/powerpoint/2010/main" val="2391084372"/>
       </p:ext>
     </p:extLst>
   </p:cSld>
@@ -4512,6 +4687,198 @@
 </p:sld>
 </file>
 
+<file path=ppt/slides/slide4.xml><?xml version="1.0" encoding="utf-8"?>
+<p:sld xmlns:a="http://schemas.openxmlformats.org/drawingml/2006/main" xmlns:r="http://schemas.openxmlformats.org/officeDocument/2006/relationships" xmlns:p="http://schemas.openxmlformats.org/presentationml/2006/main">
+  <p:cSld>
+    <p:spTree>
+      <p:nvGrpSpPr>
+        <p:cNvPr id="1" name=""/>
+        <p:cNvGrpSpPr/>
+        <p:nvPr/>
+      </p:nvGrpSpPr>
+      <p:grpSpPr>
+        <a:xfrm>
+          <a:off x="0" y="0"/>
+          <a:ext cx="0" cy="0"/>
+          <a:chOff x="0" y="0"/>
+          <a:chExt cx="0" cy="0"/>
+        </a:xfrm>
+      </p:grpSpPr>
+      <p:sp>
+        <p:nvSpPr>
+          <p:cNvPr id="2" name="Title 1"/>
+          <p:cNvSpPr>
+            <a:spLocks noGrp="1"/>
+          </p:cNvSpPr>
+          <p:nvPr>
+            <p:ph type="title"/>
+          </p:nvPr>
+        </p:nvSpPr>
+        <p:spPr>
+          <a:xfrm>
+            <a:off x="53454" y="0"/>
+            <a:ext cx="10515600" cy="580030"/>
+          </a:xfrm>
+        </p:spPr>
+        <p:txBody>
+          <a:bodyPr>
+            <a:normAutofit/>
+          </a:bodyPr>
+          <a:lstStyle/>
+          <a:p>
+            <a:r>
+              <a:rPr lang="zh-CN" altLang="en-US" sz="3200" dirty="0"/>
+              <a:t>经</a:t>
+            </a:r>
+            <a:r>
+              <a:rPr lang="zh-CN" altLang="en-US" sz="3200" dirty="0" smtClean="0"/>
+              <a:t>验</a:t>
+            </a:r>
+            <a:r>
+              <a:rPr lang="en-US" altLang="zh-CN" sz="3200" dirty="0" smtClean="0"/>
+              <a:t>-1</a:t>
+            </a:r>
+            <a:r>
+              <a:rPr lang="zh-CN" altLang="en-US" sz="3200" dirty="0" smtClean="0"/>
+              <a:t>： </a:t>
+            </a:r>
+            <a:endParaRPr lang="en-US" sz="3200" dirty="0"/>
+          </a:p>
+        </p:txBody>
+      </p:sp>
+      <p:pic>
+        <p:nvPicPr>
+          <p:cNvPr id="4" name="Picture 3"/>
+          <p:cNvPicPr>
+            <a:picLocks noChangeAspect="1"/>
+          </p:cNvPicPr>
+          <p:nvPr/>
+        </p:nvPicPr>
+        <p:blipFill>
+          <a:blip r:embed="rId3"/>
+          <a:stretch>
+            <a:fillRect/>
+          </a:stretch>
+        </p:blipFill>
+        <p:spPr>
+          <a:xfrm>
+            <a:off x="1332851" y="0"/>
+            <a:ext cx="10859149" cy="6858000"/>
+          </a:xfrm>
+          <a:prstGeom prst="rect">
+            <a:avLst/>
+          </a:prstGeom>
+        </p:spPr>
+      </p:pic>
+    </p:spTree>
+    <p:extLst>
+      <p:ext uri="{BB962C8B-B14F-4D97-AF65-F5344CB8AC3E}">
+        <p14:creationId xmlns:p14="http://schemas.microsoft.com/office/powerpoint/2010/main" val="2737957270"/>
+      </p:ext>
+    </p:extLst>
+  </p:cSld>
+  <p:clrMapOvr>
+    <a:masterClrMapping/>
+  </p:clrMapOvr>
+</p:sld>
+</file>
+
+<file path=ppt/slides/slide5.xml><?xml version="1.0" encoding="utf-8"?>
+<p:sld xmlns:a="http://schemas.openxmlformats.org/drawingml/2006/main" xmlns:r="http://schemas.openxmlformats.org/officeDocument/2006/relationships" xmlns:p="http://schemas.openxmlformats.org/presentationml/2006/main">
+  <p:cSld>
+    <p:spTree>
+      <p:nvGrpSpPr>
+        <p:cNvPr id="1" name=""/>
+        <p:cNvGrpSpPr/>
+        <p:nvPr/>
+      </p:nvGrpSpPr>
+      <p:grpSpPr>
+        <a:xfrm>
+          <a:off x="0" y="0"/>
+          <a:ext cx="0" cy="0"/>
+          <a:chOff x="0" y="0"/>
+          <a:chExt cx="0" cy="0"/>
+        </a:xfrm>
+      </p:grpSpPr>
+      <p:sp>
+        <p:nvSpPr>
+          <p:cNvPr id="2" name="Title 1"/>
+          <p:cNvSpPr>
+            <a:spLocks noGrp="1"/>
+          </p:cNvSpPr>
+          <p:nvPr>
+            <p:ph type="title"/>
+          </p:nvPr>
+        </p:nvSpPr>
+        <p:spPr>
+          <a:xfrm>
+            <a:off x="53454" y="0"/>
+            <a:ext cx="10515600" cy="580030"/>
+          </a:xfrm>
+        </p:spPr>
+        <p:txBody>
+          <a:bodyPr>
+            <a:normAutofit/>
+          </a:bodyPr>
+          <a:lstStyle/>
+          <a:p>
+            <a:r>
+              <a:rPr lang="zh-CN" altLang="en-US" sz="3200" dirty="0"/>
+              <a:t>经</a:t>
+            </a:r>
+            <a:r>
+              <a:rPr lang="zh-CN" altLang="en-US" sz="3200" dirty="0" smtClean="0"/>
+              <a:t>验：</a:t>
+            </a:r>
+            <a:r>
+              <a:rPr lang="en-US" altLang="zh-CN" sz="3200" dirty="0" smtClean="0"/>
+              <a:t>-2</a:t>
+            </a:r>
+            <a:r>
+              <a:rPr lang="zh-CN" altLang="en-US" sz="3200" dirty="0" smtClean="0"/>
+              <a:t> </a:t>
+            </a:r>
+            <a:endParaRPr lang="en-US" sz="3200" dirty="0"/>
+          </a:p>
+        </p:txBody>
+      </p:sp>
+      <p:pic>
+        <p:nvPicPr>
+          <p:cNvPr id="3" name="Picture 2"/>
+          <p:cNvPicPr>
+            <a:picLocks noChangeAspect="1"/>
+          </p:cNvPicPr>
+          <p:nvPr/>
+        </p:nvPicPr>
+        <p:blipFill>
+          <a:blip r:embed="rId3"/>
+          <a:stretch>
+            <a:fillRect/>
+          </a:stretch>
+        </p:blipFill>
+        <p:spPr>
+          <a:xfrm>
+            <a:off x="1984609" y="0"/>
+            <a:ext cx="9704110" cy="6858000"/>
+          </a:xfrm>
+          <a:prstGeom prst="rect">
+            <a:avLst/>
+          </a:prstGeom>
+        </p:spPr>
+      </p:pic>
+    </p:spTree>
+    <p:extLst>
+      <p:ext uri="{BB962C8B-B14F-4D97-AF65-F5344CB8AC3E}">
+        <p14:creationId xmlns:p14="http://schemas.microsoft.com/office/powerpoint/2010/main" val="3332011462"/>
+      </p:ext>
+    </p:extLst>
+  </p:cSld>
+  <p:clrMapOvr>
+    <a:masterClrMapping/>
+  </p:clrMapOvr>
+</p:sld>
+</file>
+
 <file path=ppt/theme/theme1.xml><?xml version="1.0" encoding="utf-8"?>
 <a:theme xmlns:a="http://schemas.openxmlformats.org/drawingml/2006/main" name="Office Theme">
   <a:themeElements>

--- a/Gobang design and result.pptx
+++ b/Gobang design and result.pptx
@@ -5,7 +5,7 @@
     <p:sldMasterId id="2147483648" r:id="rId1"/>
   </p:sldMasterIdLst>
   <p:notesMasterIdLst>
-    <p:notesMasterId r:id="rId7"/>
+    <p:notesMasterId r:id="rId10"/>
   </p:notesMasterIdLst>
   <p:sldIdLst>
     <p:sldId id="256" r:id="rId2"/>
@@ -13,6 +13,9 @@
     <p:sldId id="258" r:id="rId4"/>
     <p:sldId id="259" r:id="rId5"/>
     <p:sldId id="260" r:id="rId6"/>
+    <p:sldId id="261" r:id="rId7"/>
+    <p:sldId id="262" r:id="rId8"/>
+    <p:sldId id="263" r:id="rId9"/>
   </p:sldIdLst>
   <p:sldSz cx="12192000" cy="6858000"/>
   <p:notesSz cx="6858000" cy="9144000"/>
@@ -796,6 +799,258 @@
     <p:extLst>
       <p:ext uri="{BB962C8B-B14F-4D97-AF65-F5344CB8AC3E}">
         <p14:creationId xmlns:p14="http://schemas.microsoft.com/office/powerpoint/2010/main" val="2391084372"/>
+      </p:ext>
+    </p:extLst>
+  </p:cSld>
+  <p:clrMapOvr>
+    <a:masterClrMapping/>
+  </p:clrMapOvr>
+</p:notes>
+</file>
+
+<file path=ppt/notesSlides/notesSlide5.xml><?xml version="1.0" encoding="utf-8"?>
+<p:notes xmlns:a="http://schemas.openxmlformats.org/drawingml/2006/main" xmlns:r="http://schemas.openxmlformats.org/officeDocument/2006/relationships" xmlns:p="http://schemas.openxmlformats.org/presentationml/2006/main">
+  <p:cSld>
+    <p:spTree>
+      <p:nvGrpSpPr>
+        <p:cNvPr id="1" name=""/>
+        <p:cNvGrpSpPr/>
+        <p:nvPr/>
+      </p:nvGrpSpPr>
+      <p:grpSpPr>
+        <a:xfrm>
+          <a:off x="0" y="0"/>
+          <a:ext cx="0" cy="0"/>
+          <a:chOff x="0" y="0"/>
+          <a:chExt cx="0" cy="0"/>
+        </a:xfrm>
+      </p:grpSpPr>
+      <p:sp>
+        <p:nvSpPr>
+          <p:cNvPr id="2" name="Slide Image Placeholder 1"/>
+          <p:cNvSpPr>
+            <a:spLocks noGrp="1" noRot="1" noChangeAspect="1"/>
+          </p:cNvSpPr>
+          <p:nvPr>
+            <p:ph type="sldImg"/>
+          </p:nvPr>
+        </p:nvSpPr>
+        <p:spPr/>
+      </p:sp>
+      <p:sp>
+        <p:nvSpPr>
+          <p:cNvPr id="3" name="Notes Placeholder 2"/>
+          <p:cNvSpPr>
+            <a:spLocks noGrp="1"/>
+          </p:cNvSpPr>
+          <p:nvPr>
+            <p:ph type="body" idx="1"/>
+          </p:nvPr>
+        </p:nvSpPr>
+        <p:spPr/>
+        <p:txBody>
+          <a:bodyPr/>
+          <a:lstStyle/>
+          <a:p>
+            <a:endParaRPr lang="en-US"/>
+          </a:p>
+        </p:txBody>
+      </p:sp>
+      <p:sp>
+        <p:nvSpPr>
+          <p:cNvPr id="4" name="Slide Number Placeholder 3"/>
+          <p:cNvSpPr>
+            <a:spLocks noGrp="1"/>
+          </p:cNvSpPr>
+          <p:nvPr>
+            <p:ph type="sldNum" sz="quarter" idx="10"/>
+          </p:nvPr>
+        </p:nvSpPr>
+        <p:spPr/>
+        <p:txBody>
+          <a:bodyPr/>
+          <a:lstStyle/>
+          <a:p>
+            <a:fld id="{D3FCFC76-927B-40BB-B6E8-5A9167BA15C1}" type="slidenum">
+              <a:rPr lang="en-US" smtClean="0"/>
+              <a:t>6</a:t>
+            </a:fld>
+            <a:endParaRPr lang="en-US"/>
+          </a:p>
+        </p:txBody>
+      </p:sp>
+    </p:spTree>
+    <p:extLst>
+      <p:ext uri="{BB962C8B-B14F-4D97-AF65-F5344CB8AC3E}">
+        <p14:creationId xmlns:p14="http://schemas.microsoft.com/office/powerpoint/2010/main" val="3161970695"/>
+      </p:ext>
+    </p:extLst>
+  </p:cSld>
+  <p:clrMapOvr>
+    <a:masterClrMapping/>
+  </p:clrMapOvr>
+</p:notes>
+</file>
+
+<file path=ppt/notesSlides/notesSlide6.xml><?xml version="1.0" encoding="utf-8"?>
+<p:notes xmlns:a="http://schemas.openxmlformats.org/drawingml/2006/main" xmlns:r="http://schemas.openxmlformats.org/officeDocument/2006/relationships" xmlns:p="http://schemas.openxmlformats.org/presentationml/2006/main">
+  <p:cSld>
+    <p:spTree>
+      <p:nvGrpSpPr>
+        <p:cNvPr id="1" name=""/>
+        <p:cNvGrpSpPr/>
+        <p:nvPr/>
+      </p:nvGrpSpPr>
+      <p:grpSpPr>
+        <a:xfrm>
+          <a:off x="0" y="0"/>
+          <a:ext cx="0" cy="0"/>
+          <a:chOff x="0" y="0"/>
+          <a:chExt cx="0" cy="0"/>
+        </a:xfrm>
+      </p:grpSpPr>
+      <p:sp>
+        <p:nvSpPr>
+          <p:cNvPr id="2" name="Slide Image Placeholder 1"/>
+          <p:cNvSpPr>
+            <a:spLocks noGrp="1" noRot="1" noChangeAspect="1"/>
+          </p:cNvSpPr>
+          <p:nvPr>
+            <p:ph type="sldImg"/>
+          </p:nvPr>
+        </p:nvSpPr>
+        <p:spPr/>
+      </p:sp>
+      <p:sp>
+        <p:nvSpPr>
+          <p:cNvPr id="3" name="Notes Placeholder 2"/>
+          <p:cNvSpPr>
+            <a:spLocks noGrp="1"/>
+          </p:cNvSpPr>
+          <p:nvPr>
+            <p:ph type="body" idx="1"/>
+          </p:nvPr>
+        </p:nvSpPr>
+        <p:spPr/>
+        <p:txBody>
+          <a:bodyPr/>
+          <a:lstStyle/>
+          <a:p>
+            <a:endParaRPr lang="en-US"/>
+          </a:p>
+        </p:txBody>
+      </p:sp>
+      <p:sp>
+        <p:nvSpPr>
+          <p:cNvPr id="4" name="Slide Number Placeholder 3"/>
+          <p:cNvSpPr>
+            <a:spLocks noGrp="1"/>
+          </p:cNvSpPr>
+          <p:nvPr>
+            <p:ph type="sldNum" sz="quarter" idx="10"/>
+          </p:nvPr>
+        </p:nvSpPr>
+        <p:spPr/>
+        <p:txBody>
+          <a:bodyPr/>
+          <a:lstStyle/>
+          <a:p>
+            <a:fld id="{D3FCFC76-927B-40BB-B6E8-5A9167BA15C1}" type="slidenum">
+              <a:rPr lang="en-US" smtClean="0"/>
+              <a:t>7</a:t>
+            </a:fld>
+            <a:endParaRPr lang="en-US"/>
+          </a:p>
+        </p:txBody>
+      </p:sp>
+    </p:spTree>
+    <p:extLst>
+      <p:ext uri="{BB962C8B-B14F-4D97-AF65-F5344CB8AC3E}">
+        <p14:creationId xmlns:p14="http://schemas.microsoft.com/office/powerpoint/2010/main" val="2929685994"/>
+      </p:ext>
+    </p:extLst>
+  </p:cSld>
+  <p:clrMapOvr>
+    <a:masterClrMapping/>
+  </p:clrMapOvr>
+</p:notes>
+</file>
+
+<file path=ppt/notesSlides/notesSlide7.xml><?xml version="1.0" encoding="utf-8"?>
+<p:notes xmlns:a="http://schemas.openxmlformats.org/drawingml/2006/main" xmlns:r="http://schemas.openxmlformats.org/officeDocument/2006/relationships" xmlns:p="http://schemas.openxmlformats.org/presentationml/2006/main">
+  <p:cSld>
+    <p:spTree>
+      <p:nvGrpSpPr>
+        <p:cNvPr id="1" name=""/>
+        <p:cNvGrpSpPr/>
+        <p:nvPr/>
+      </p:nvGrpSpPr>
+      <p:grpSpPr>
+        <a:xfrm>
+          <a:off x="0" y="0"/>
+          <a:ext cx="0" cy="0"/>
+          <a:chOff x="0" y="0"/>
+          <a:chExt cx="0" cy="0"/>
+        </a:xfrm>
+      </p:grpSpPr>
+      <p:sp>
+        <p:nvSpPr>
+          <p:cNvPr id="2" name="Slide Image Placeholder 1"/>
+          <p:cNvSpPr>
+            <a:spLocks noGrp="1" noRot="1" noChangeAspect="1"/>
+          </p:cNvSpPr>
+          <p:nvPr>
+            <p:ph type="sldImg"/>
+          </p:nvPr>
+        </p:nvSpPr>
+        <p:spPr/>
+      </p:sp>
+      <p:sp>
+        <p:nvSpPr>
+          <p:cNvPr id="3" name="Notes Placeholder 2"/>
+          <p:cNvSpPr>
+            <a:spLocks noGrp="1"/>
+          </p:cNvSpPr>
+          <p:nvPr>
+            <p:ph type="body" idx="1"/>
+          </p:nvPr>
+        </p:nvSpPr>
+        <p:spPr/>
+        <p:txBody>
+          <a:bodyPr/>
+          <a:lstStyle/>
+          <a:p>
+            <a:endParaRPr lang="en-US"/>
+          </a:p>
+        </p:txBody>
+      </p:sp>
+      <p:sp>
+        <p:nvSpPr>
+          <p:cNvPr id="4" name="Slide Number Placeholder 3"/>
+          <p:cNvSpPr>
+            <a:spLocks noGrp="1"/>
+          </p:cNvSpPr>
+          <p:nvPr>
+            <p:ph type="sldNum" sz="quarter" idx="10"/>
+          </p:nvPr>
+        </p:nvSpPr>
+        <p:spPr/>
+        <p:txBody>
+          <a:bodyPr/>
+          <a:lstStyle/>
+          <a:p>
+            <a:fld id="{D3FCFC76-927B-40BB-B6E8-5A9167BA15C1}" type="slidenum">
+              <a:rPr lang="en-US" smtClean="0"/>
+              <a:t>8</a:t>
+            </a:fld>
+            <a:endParaRPr lang="en-US"/>
+          </a:p>
+        </p:txBody>
+      </p:sp>
+    </p:spTree>
+    <p:extLst>
+      <p:ext uri="{BB962C8B-B14F-4D97-AF65-F5344CB8AC3E}">
+        <p14:creationId xmlns:p14="http://schemas.microsoft.com/office/powerpoint/2010/main" val="3695730393"/>
       </p:ext>
     </p:extLst>
   </p:cSld>
@@ -4879,6 +5134,294 @@
 </p:sld>
 </file>
 
+<file path=ppt/slides/slide6.xml><?xml version="1.0" encoding="utf-8"?>
+<p:sld xmlns:a="http://schemas.openxmlformats.org/drawingml/2006/main" xmlns:r="http://schemas.openxmlformats.org/officeDocument/2006/relationships" xmlns:p="http://schemas.openxmlformats.org/presentationml/2006/main">
+  <p:cSld>
+    <p:spTree>
+      <p:nvGrpSpPr>
+        <p:cNvPr id="1" name=""/>
+        <p:cNvGrpSpPr/>
+        <p:nvPr/>
+      </p:nvGrpSpPr>
+      <p:grpSpPr>
+        <a:xfrm>
+          <a:off x="0" y="0"/>
+          <a:ext cx="0" cy="0"/>
+          <a:chOff x="0" y="0"/>
+          <a:chExt cx="0" cy="0"/>
+        </a:xfrm>
+      </p:grpSpPr>
+      <p:sp>
+        <p:nvSpPr>
+          <p:cNvPr id="2" name="Title 1"/>
+          <p:cNvSpPr>
+            <a:spLocks noGrp="1"/>
+          </p:cNvSpPr>
+          <p:nvPr>
+            <p:ph type="title"/>
+          </p:nvPr>
+        </p:nvSpPr>
+        <p:spPr>
+          <a:xfrm>
+            <a:off x="53454" y="0"/>
+            <a:ext cx="10515600" cy="580030"/>
+          </a:xfrm>
+        </p:spPr>
+        <p:txBody>
+          <a:bodyPr>
+            <a:normAutofit/>
+          </a:bodyPr>
+          <a:lstStyle/>
+          <a:p>
+            <a:r>
+              <a:rPr lang="zh-CN" altLang="en-US" sz="3200" dirty="0"/>
+              <a:t>经</a:t>
+            </a:r>
+            <a:r>
+              <a:rPr lang="zh-CN" altLang="en-US" sz="3200" dirty="0" smtClean="0"/>
+              <a:t>验：</a:t>
+            </a:r>
+            <a:r>
+              <a:rPr lang="en-US" altLang="zh-CN" sz="3200" dirty="0" smtClean="0"/>
+              <a:t>-3</a:t>
+            </a:r>
+            <a:r>
+              <a:rPr lang="zh-CN" altLang="en-US" sz="3200" dirty="0" smtClean="0"/>
+              <a:t> </a:t>
+            </a:r>
+            <a:endParaRPr lang="en-US" sz="3200" dirty="0"/>
+          </a:p>
+        </p:txBody>
+      </p:sp>
+      <p:pic>
+        <p:nvPicPr>
+          <p:cNvPr id="4" name="Picture 3"/>
+          <p:cNvPicPr>
+            <a:picLocks noChangeAspect="1"/>
+          </p:cNvPicPr>
+          <p:nvPr/>
+        </p:nvPicPr>
+        <p:blipFill>
+          <a:blip r:embed="rId3"/>
+          <a:stretch>
+            <a:fillRect/>
+          </a:stretch>
+        </p:blipFill>
+        <p:spPr>
+          <a:xfrm>
+            <a:off x="1870678" y="290015"/>
+            <a:ext cx="10321322" cy="5751576"/>
+          </a:xfrm>
+          <a:prstGeom prst="rect">
+            <a:avLst/>
+          </a:prstGeom>
+        </p:spPr>
+      </p:pic>
+    </p:spTree>
+    <p:extLst>
+      <p:ext uri="{BB962C8B-B14F-4D97-AF65-F5344CB8AC3E}">
+        <p14:creationId xmlns:p14="http://schemas.microsoft.com/office/powerpoint/2010/main" val="1992498435"/>
+      </p:ext>
+    </p:extLst>
+  </p:cSld>
+  <p:clrMapOvr>
+    <a:masterClrMapping/>
+  </p:clrMapOvr>
+</p:sld>
+</file>
+
+<file path=ppt/slides/slide7.xml><?xml version="1.0" encoding="utf-8"?>
+<p:sld xmlns:a="http://schemas.openxmlformats.org/drawingml/2006/main" xmlns:r="http://schemas.openxmlformats.org/officeDocument/2006/relationships" xmlns:p="http://schemas.openxmlformats.org/presentationml/2006/main">
+  <p:cSld>
+    <p:spTree>
+      <p:nvGrpSpPr>
+        <p:cNvPr id="1" name=""/>
+        <p:cNvGrpSpPr/>
+        <p:nvPr/>
+      </p:nvGrpSpPr>
+      <p:grpSpPr>
+        <a:xfrm>
+          <a:off x="0" y="0"/>
+          <a:ext cx="0" cy="0"/>
+          <a:chOff x="0" y="0"/>
+          <a:chExt cx="0" cy="0"/>
+        </a:xfrm>
+      </p:grpSpPr>
+      <p:sp>
+        <p:nvSpPr>
+          <p:cNvPr id="2" name="Title 1"/>
+          <p:cNvSpPr>
+            <a:spLocks noGrp="1"/>
+          </p:cNvSpPr>
+          <p:nvPr>
+            <p:ph type="title"/>
+          </p:nvPr>
+        </p:nvSpPr>
+        <p:spPr>
+          <a:xfrm>
+            <a:off x="53454" y="0"/>
+            <a:ext cx="10515600" cy="580030"/>
+          </a:xfrm>
+        </p:spPr>
+        <p:txBody>
+          <a:bodyPr>
+            <a:normAutofit/>
+          </a:bodyPr>
+          <a:lstStyle/>
+          <a:p>
+            <a:r>
+              <a:rPr lang="zh-CN" altLang="en-US" sz="3200" dirty="0"/>
+              <a:t>经</a:t>
+            </a:r>
+            <a:r>
+              <a:rPr lang="zh-CN" altLang="en-US" sz="3200" dirty="0" smtClean="0"/>
+              <a:t>验：</a:t>
+            </a:r>
+            <a:r>
+              <a:rPr lang="en-US" altLang="zh-CN" sz="3200" dirty="0" smtClean="0"/>
+              <a:t>-4</a:t>
+            </a:r>
+            <a:r>
+              <a:rPr lang="zh-CN" altLang="en-US" sz="3200" dirty="0" smtClean="0"/>
+              <a:t> </a:t>
+            </a:r>
+            <a:endParaRPr lang="en-US" sz="3200" dirty="0"/>
+          </a:p>
+        </p:txBody>
+      </p:sp>
+      <p:pic>
+        <p:nvPicPr>
+          <p:cNvPr id="3" name="Picture 2"/>
+          <p:cNvPicPr>
+            <a:picLocks noChangeAspect="1"/>
+          </p:cNvPicPr>
+          <p:nvPr/>
+        </p:nvPicPr>
+        <p:blipFill>
+          <a:blip r:embed="rId3"/>
+          <a:stretch>
+            <a:fillRect/>
+          </a:stretch>
+        </p:blipFill>
+        <p:spPr>
+          <a:xfrm>
+            <a:off x="3718685" y="-91440"/>
+            <a:ext cx="6967478" cy="6858000"/>
+          </a:xfrm>
+          <a:prstGeom prst="rect">
+            <a:avLst/>
+          </a:prstGeom>
+        </p:spPr>
+      </p:pic>
+    </p:spTree>
+    <p:extLst>
+      <p:ext uri="{BB962C8B-B14F-4D97-AF65-F5344CB8AC3E}">
+        <p14:creationId xmlns:p14="http://schemas.microsoft.com/office/powerpoint/2010/main" val="2601064550"/>
+      </p:ext>
+    </p:extLst>
+  </p:cSld>
+  <p:clrMapOvr>
+    <a:masterClrMapping/>
+  </p:clrMapOvr>
+</p:sld>
+</file>
+
+<file path=ppt/slides/slide8.xml><?xml version="1.0" encoding="utf-8"?>
+<p:sld xmlns:a="http://schemas.openxmlformats.org/drawingml/2006/main" xmlns:r="http://schemas.openxmlformats.org/officeDocument/2006/relationships" xmlns:p="http://schemas.openxmlformats.org/presentationml/2006/main">
+  <p:cSld>
+    <p:spTree>
+      <p:nvGrpSpPr>
+        <p:cNvPr id="1" name=""/>
+        <p:cNvGrpSpPr/>
+        <p:nvPr/>
+      </p:nvGrpSpPr>
+      <p:grpSpPr>
+        <a:xfrm>
+          <a:off x="0" y="0"/>
+          <a:ext cx="0" cy="0"/>
+          <a:chOff x="0" y="0"/>
+          <a:chExt cx="0" cy="0"/>
+        </a:xfrm>
+      </p:grpSpPr>
+      <p:sp>
+        <p:nvSpPr>
+          <p:cNvPr id="2" name="Title 1"/>
+          <p:cNvSpPr>
+            <a:spLocks noGrp="1"/>
+          </p:cNvSpPr>
+          <p:nvPr>
+            <p:ph type="title"/>
+          </p:nvPr>
+        </p:nvSpPr>
+        <p:spPr>
+          <a:xfrm>
+            <a:off x="53454" y="0"/>
+            <a:ext cx="10515600" cy="580030"/>
+          </a:xfrm>
+        </p:spPr>
+        <p:txBody>
+          <a:bodyPr>
+            <a:normAutofit/>
+          </a:bodyPr>
+          <a:lstStyle/>
+          <a:p>
+            <a:r>
+              <a:rPr lang="zh-CN" altLang="en-US" sz="3200" dirty="0"/>
+              <a:t>经</a:t>
+            </a:r>
+            <a:r>
+              <a:rPr lang="zh-CN" altLang="en-US" sz="3200" dirty="0" smtClean="0"/>
+              <a:t>验：</a:t>
+            </a:r>
+            <a:r>
+              <a:rPr lang="en-US" altLang="zh-CN" sz="3200" dirty="0" smtClean="0"/>
+              <a:t>- 5</a:t>
+            </a:r>
+            <a:r>
+              <a:rPr lang="zh-CN" altLang="en-US" sz="3200" dirty="0" smtClean="0"/>
+              <a:t> </a:t>
+            </a:r>
+            <a:endParaRPr lang="en-US" sz="3200" dirty="0"/>
+          </a:p>
+        </p:txBody>
+      </p:sp>
+      <p:pic>
+        <p:nvPicPr>
+          <p:cNvPr id="4" name="Picture 3"/>
+          <p:cNvPicPr>
+            <a:picLocks noChangeAspect="1"/>
+          </p:cNvPicPr>
+          <p:nvPr/>
+        </p:nvPicPr>
+        <p:blipFill>
+          <a:blip r:embed="rId3"/>
+          <a:stretch>
+            <a:fillRect/>
+          </a:stretch>
+        </p:blipFill>
+        <p:spPr>
+          <a:xfrm>
+            <a:off x="2246185" y="388429"/>
+            <a:ext cx="9839325" cy="5953125"/>
+          </a:xfrm>
+          <a:prstGeom prst="rect">
+            <a:avLst/>
+          </a:prstGeom>
+        </p:spPr>
+      </p:pic>
+    </p:spTree>
+    <p:extLst>
+      <p:ext uri="{BB962C8B-B14F-4D97-AF65-F5344CB8AC3E}">
+        <p14:creationId xmlns:p14="http://schemas.microsoft.com/office/powerpoint/2010/main" val="1368493864"/>
+      </p:ext>
+    </p:extLst>
+  </p:cSld>
+  <p:clrMapOvr>
+    <a:masterClrMapping/>
+  </p:clrMapOvr>
+</p:sld>
+</file>
+
 <file path=ppt/theme/theme1.xml><?xml version="1.0" encoding="utf-8"?>
 <a:theme xmlns:a="http://schemas.openxmlformats.org/drawingml/2006/main" name="Office Theme">
   <a:themeElements>
